--- a/images/pics.pptx
+++ b/images/pics.pptx
@@ -105,6 +105,11 @@
       </a:defRPr>
     </a:lvl9pPr>
   </p:defaultTextStyle>
+  <p:extLst>
+    <p:ext uri="{EFAFB233-063F-42B5-8137-9DF3F51BA10A}">
+      <p15:sldGuideLst xmlns:p15="http://schemas.microsoft.com/office/powerpoint/2012/main"/>
+    </p:ext>
+  </p:extLst>
 </p:presentation>
 </file>
 
@@ -255,7 +260,7 @@
           <a:p>
             <a:fld id="{C70C5EA1-4AF3-4973-B890-F06737F1C8C9}" type="datetimeFigureOut">
               <a:rPr lang="en-US" smtClean="0"/>
-              <a:t>5/19/2023</a:t>
+              <a:t>7/18/2023</a:t>
             </a:fld>
             <a:endParaRPr lang="en-US"/>
           </a:p>
@@ -453,7 +458,7 @@
           <a:p>
             <a:fld id="{C70C5EA1-4AF3-4973-B890-F06737F1C8C9}" type="datetimeFigureOut">
               <a:rPr lang="en-US" smtClean="0"/>
-              <a:t>5/19/2023</a:t>
+              <a:t>7/18/2023</a:t>
             </a:fld>
             <a:endParaRPr lang="en-US"/>
           </a:p>
@@ -661,7 +666,7 @@
           <a:p>
             <a:fld id="{C70C5EA1-4AF3-4973-B890-F06737F1C8C9}" type="datetimeFigureOut">
               <a:rPr lang="en-US" smtClean="0"/>
-              <a:t>5/19/2023</a:t>
+              <a:t>7/18/2023</a:t>
             </a:fld>
             <a:endParaRPr lang="en-US"/>
           </a:p>
@@ -859,7 +864,7 @@
           <a:p>
             <a:fld id="{C70C5EA1-4AF3-4973-B890-F06737F1C8C9}" type="datetimeFigureOut">
               <a:rPr lang="en-US" smtClean="0"/>
-              <a:t>5/19/2023</a:t>
+              <a:t>7/18/2023</a:t>
             </a:fld>
             <a:endParaRPr lang="en-US"/>
           </a:p>
@@ -1134,7 +1139,7 @@
           <a:p>
             <a:fld id="{C70C5EA1-4AF3-4973-B890-F06737F1C8C9}" type="datetimeFigureOut">
               <a:rPr lang="en-US" smtClean="0"/>
-              <a:t>5/19/2023</a:t>
+              <a:t>7/18/2023</a:t>
             </a:fld>
             <a:endParaRPr lang="en-US"/>
           </a:p>
@@ -1399,7 +1404,7 @@
           <a:p>
             <a:fld id="{C70C5EA1-4AF3-4973-B890-F06737F1C8C9}" type="datetimeFigureOut">
               <a:rPr lang="en-US" smtClean="0"/>
-              <a:t>5/19/2023</a:t>
+              <a:t>7/18/2023</a:t>
             </a:fld>
             <a:endParaRPr lang="en-US"/>
           </a:p>
@@ -1811,7 +1816,7 @@
           <a:p>
             <a:fld id="{C70C5EA1-4AF3-4973-B890-F06737F1C8C9}" type="datetimeFigureOut">
               <a:rPr lang="en-US" smtClean="0"/>
-              <a:t>5/19/2023</a:t>
+              <a:t>7/18/2023</a:t>
             </a:fld>
             <a:endParaRPr lang="en-US"/>
           </a:p>
@@ -1952,7 +1957,7 @@
           <a:p>
             <a:fld id="{C70C5EA1-4AF3-4973-B890-F06737F1C8C9}" type="datetimeFigureOut">
               <a:rPr lang="en-US" smtClean="0"/>
-              <a:t>5/19/2023</a:t>
+              <a:t>7/18/2023</a:t>
             </a:fld>
             <a:endParaRPr lang="en-US"/>
           </a:p>
@@ -2065,7 +2070,7 @@
           <a:p>
             <a:fld id="{C70C5EA1-4AF3-4973-B890-F06737F1C8C9}" type="datetimeFigureOut">
               <a:rPr lang="en-US" smtClean="0"/>
-              <a:t>5/19/2023</a:t>
+              <a:t>7/18/2023</a:t>
             </a:fld>
             <a:endParaRPr lang="en-US"/>
           </a:p>
@@ -2376,7 +2381,7 @@
           <a:p>
             <a:fld id="{C70C5EA1-4AF3-4973-B890-F06737F1C8C9}" type="datetimeFigureOut">
               <a:rPr lang="en-US" smtClean="0"/>
-              <a:t>5/19/2023</a:t>
+              <a:t>7/18/2023</a:t>
             </a:fld>
             <a:endParaRPr lang="en-US"/>
           </a:p>
@@ -2664,7 +2669,7 @@
           <a:p>
             <a:fld id="{C70C5EA1-4AF3-4973-B890-F06737F1C8C9}" type="datetimeFigureOut">
               <a:rPr lang="en-US" smtClean="0"/>
-              <a:t>5/19/2023</a:t>
+              <a:t>7/18/2023</a:t>
             </a:fld>
             <a:endParaRPr lang="en-US"/>
           </a:p>
@@ -2905,7 +2910,7 @@
           <a:p>
             <a:fld id="{C70C5EA1-4AF3-4973-B890-F06737F1C8C9}" type="datetimeFigureOut">
               <a:rPr lang="en-US" smtClean="0"/>
-              <a:t>5/19/2023</a:t>
+              <a:t>7/18/2023</a:t>
             </a:fld>
             <a:endParaRPr lang="en-US"/>
           </a:p>
@@ -3322,97 +3327,118 @@
           <a:chExt cx="0" cy="0"/>
         </a:xfrm>
       </p:grpSpPr>
-      <p:sp>
-        <p:nvSpPr>
-          <p:cNvPr id="4" name="Rectangle 3">
-            <a:extLst>
-              <a:ext uri="{FF2B5EF4-FFF2-40B4-BE49-F238E27FC236}">
-                <a16:creationId xmlns:a16="http://schemas.microsoft.com/office/drawing/2014/main" id="{0B9E12F6-EB54-A13B-9920-9BB4F69AA0C0}"/>
-              </a:ext>
-            </a:extLst>
-          </p:cNvPr>
-          <p:cNvSpPr/>
+      <p:grpSp>
+        <p:nvGrpSpPr>
+          <p:cNvPr id="2" name="Group 1">
+            <a:extLst>
+              <a:ext uri="{FF2B5EF4-FFF2-40B4-BE49-F238E27FC236}">
+                <a16:creationId xmlns:a16="http://schemas.microsoft.com/office/drawing/2014/main" id="{1AE8444D-A04C-9E64-3D34-3B8A5C3A0604}"/>
+              </a:ext>
+            </a:extLst>
+          </p:cNvPr>
+          <p:cNvGrpSpPr/>
           <p:nvPr/>
-        </p:nvSpPr>
-        <p:spPr>
+        </p:nvGrpSpPr>
+        <p:grpSpPr>
           <a:xfrm>
-            <a:off x="3572494" y="698025"/>
-            <a:ext cx="5047012" cy="5047013"/>
+            <a:off x="3572494" y="528489"/>
+            <a:ext cx="5047012" cy="5386091"/>
+            <a:chOff x="3572494" y="528489"/>
+            <a:chExt cx="5047012" cy="5386091"/>
           </a:xfrm>
-          <a:prstGeom prst="rect">
-            <a:avLst/>
-          </a:prstGeom>
-          <a:solidFill>
-            <a:srgbClr val="347DBE"/>
-          </a:solidFill>
-        </p:spPr>
-        <p:style>
-          <a:lnRef idx="2">
-            <a:schemeClr val="accent1">
-              <a:shade val="50000"/>
-            </a:schemeClr>
-          </a:lnRef>
-          <a:fillRef idx="1">
-            <a:schemeClr val="accent1"/>
-          </a:fillRef>
-          <a:effectRef idx="0">
-            <a:schemeClr val="accent1"/>
-          </a:effectRef>
-          <a:fontRef idx="minor">
-            <a:schemeClr val="lt1"/>
-          </a:fontRef>
-        </p:style>
-        <p:txBody>
-          <a:bodyPr rtlCol="0" anchor="ctr"/>
-          <a:lstStyle/>
-          <a:p>
-            <a:pPr algn="ctr"/>
-            <a:endParaRPr lang="en-US" sz="34400"/>
-          </a:p>
-        </p:txBody>
-      </p:sp>
-      <p:sp>
-        <p:nvSpPr>
-          <p:cNvPr id="5" name="TextBox 4">
-            <a:extLst>
-              <a:ext uri="{FF2B5EF4-FFF2-40B4-BE49-F238E27FC236}">
-                <a16:creationId xmlns:a16="http://schemas.microsoft.com/office/drawing/2014/main" id="{37862CB2-A313-0119-B55B-0FB988E1C028}"/>
-              </a:ext>
-            </a:extLst>
-          </p:cNvPr>
-          <p:cNvSpPr txBox="1"/>
-          <p:nvPr/>
-        </p:nvSpPr>
-        <p:spPr>
-          <a:xfrm>
-            <a:off x="4042400" y="528489"/>
-            <a:ext cx="4107216" cy="5386091"/>
-          </a:xfrm>
-          <a:prstGeom prst="rect">
-            <a:avLst/>
-          </a:prstGeom>
-          <a:noFill/>
-        </p:spPr>
-        <p:txBody>
-          <a:bodyPr wrap="none" rtlCol="0" anchor="ctr">
-            <a:spAutoFit/>
-          </a:bodyPr>
-          <a:lstStyle/>
-          <a:p>
-            <a:pPr algn="ctr"/>
-            <a:r>
-              <a:rPr lang="en-US" sz="34400" dirty="0">
-                <a:solidFill>
-                  <a:schemeClr val="bg1"/>
-                </a:solidFill>
-                <a:latin typeface="times" panose="02020603050405020304" pitchFamily="18" charset="0"/>
-                <a:cs typeface="times" panose="02020603050405020304" pitchFamily="18" charset="0"/>
-              </a:rPr>
-              <a:t>M</a:t>
-            </a:r>
-          </a:p>
-        </p:txBody>
-      </p:sp>
+        </p:grpSpPr>
+        <p:sp>
+          <p:nvSpPr>
+            <p:cNvPr id="4" name="Rectangle 3">
+              <a:extLst>
+                <a:ext uri="{FF2B5EF4-FFF2-40B4-BE49-F238E27FC236}">
+                  <a16:creationId xmlns:a16="http://schemas.microsoft.com/office/drawing/2014/main" id="{0B9E12F6-EB54-A13B-9920-9BB4F69AA0C0}"/>
+                </a:ext>
+              </a:extLst>
+            </p:cNvPr>
+            <p:cNvSpPr/>
+            <p:nvPr/>
+          </p:nvSpPr>
+          <p:spPr>
+            <a:xfrm>
+              <a:off x="3572494" y="698025"/>
+              <a:ext cx="5047012" cy="5047013"/>
+            </a:xfrm>
+            <a:prstGeom prst="rect">
+              <a:avLst/>
+            </a:prstGeom>
+            <a:solidFill>
+              <a:srgbClr val="347DBE"/>
+            </a:solidFill>
+          </p:spPr>
+          <p:style>
+            <a:lnRef idx="2">
+              <a:schemeClr val="accent1">
+                <a:shade val="50000"/>
+              </a:schemeClr>
+            </a:lnRef>
+            <a:fillRef idx="1">
+              <a:schemeClr val="accent1"/>
+            </a:fillRef>
+            <a:effectRef idx="0">
+              <a:schemeClr val="accent1"/>
+            </a:effectRef>
+            <a:fontRef idx="minor">
+              <a:schemeClr val="lt1"/>
+            </a:fontRef>
+          </p:style>
+          <p:txBody>
+            <a:bodyPr rtlCol="0" anchor="ctr"/>
+            <a:lstStyle/>
+            <a:p>
+              <a:pPr algn="ctr"/>
+              <a:endParaRPr lang="en-US" sz="34400"/>
+            </a:p>
+          </p:txBody>
+        </p:sp>
+        <p:sp>
+          <p:nvSpPr>
+            <p:cNvPr id="5" name="TextBox 4">
+              <a:extLst>
+                <a:ext uri="{FF2B5EF4-FFF2-40B4-BE49-F238E27FC236}">
+                  <a16:creationId xmlns:a16="http://schemas.microsoft.com/office/drawing/2014/main" id="{37862CB2-A313-0119-B55B-0FB988E1C028}"/>
+                </a:ext>
+              </a:extLst>
+            </p:cNvPr>
+            <p:cNvSpPr txBox="1"/>
+            <p:nvPr/>
+          </p:nvSpPr>
+          <p:spPr>
+            <a:xfrm>
+              <a:off x="4042400" y="528489"/>
+              <a:ext cx="4107216" cy="5386091"/>
+            </a:xfrm>
+            <a:prstGeom prst="rect">
+              <a:avLst/>
+            </a:prstGeom>
+            <a:noFill/>
+          </p:spPr>
+          <p:txBody>
+            <a:bodyPr wrap="none" rtlCol="0" anchor="ctr">
+              <a:spAutoFit/>
+            </a:bodyPr>
+            <a:lstStyle/>
+            <a:p>
+              <a:pPr algn="ctr"/>
+              <a:r>
+                <a:rPr lang="en-US" sz="34400" dirty="0">
+                  <a:solidFill>
+                    <a:schemeClr val="bg1"/>
+                  </a:solidFill>
+                  <a:latin typeface="times" panose="02020603050405020304" pitchFamily="18" charset="0"/>
+                  <a:cs typeface="times" panose="02020603050405020304" pitchFamily="18" charset="0"/>
+                </a:rPr>
+                <a:t>M</a:t>
+              </a:r>
+            </a:p>
+          </p:txBody>
+        </p:sp>
+      </p:grpSp>
     </p:spTree>
     <p:extLst>
       <p:ext uri="{BB962C8B-B14F-4D97-AF65-F5344CB8AC3E}">
